--- a/android客户端概要设计.pptx
+++ b/android客户端概要设计.pptx
@@ -1,6 +1,6 @@
 
 <file path=ppt/presentation.xml><?xml version="1.0" encoding="utf-8"?>
-<p:presentation xmlns:a="http://schemas.openxmlformats.org/drawingml/2006/main" xmlns:r="http://schemas.openxmlformats.org/officeDocument/2006/relationships" xmlns:p="http://schemas.openxmlformats.org/presentationml/2006/main" saveSubsetFonts="1">
+<p:presentation xmlns:a="http://schemas.openxmlformats.org/drawingml/2006/main" xmlns:r="http://schemas.openxmlformats.org/officeDocument/2006/relationships" xmlns:p="http://schemas.openxmlformats.org/presentationml/2006/main" serverZoom="50658" saveSubsetFonts="1">
   <p:sldMasterIdLst>
     <p:sldMasterId id="2147483648" r:id="rId1"/>
   </p:sldMasterIdLst>
@@ -106,7 +106,7 @@
   </p:defaultTextStyle>
   <p:extLst>
     <p:ext uri="{EFAFB233-063F-42B5-8137-9DF3F51BA10A}">
-      <p15:sldGuideLst xmlns:p15="http://schemas.microsoft.com/office/powerpoint/2012/main"/>
+      <p15:sldGuideLst xmlns:p15="http://schemas.microsoft.com/office/powerpoint/2012/main" xmlns=""/>
     </p:ext>
   </p:extLst>
 </p:presentation>
@@ -243,7 +243,7 @@
           <a:p>
             <a:fld id="{4475818C-D9DF-4648-BD60-3A05E60A0414}" type="datetimeFigureOut">
               <a:rPr lang="zh-CN" altLang="en-US" smtClean="0"/>
-              <a:t>2014/2/7</a:t>
+              <a:t>2014-2-26</a:t>
             </a:fld>
             <a:endParaRPr lang="zh-CN" altLang="en-US"/>
           </a:p>
@@ -413,7 +413,7 @@
           <a:p>
             <a:fld id="{4475818C-D9DF-4648-BD60-3A05E60A0414}" type="datetimeFigureOut">
               <a:rPr lang="zh-CN" altLang="en-US" smtClean="0"/>
-              <a:t>2014/2/7</a:t>
+              <a:t>2014-2-26</a:t>
             </a:fld>
             <a:endParaRPr lang="zh-CN" altLang="en-US"/>
           </a:p>
@@ -593,7 +593,7 @@
           <a:p>
             <a:fld id="{4475818C-D9DF-4648-BD60-3A05E60A0414}" type="datetimeFigureOut">
               <a:rPr lang="zh-CN" altLang="en-US" smtClean="0"/>
-              <a:t>2014/2/7</a:t>
+              <a:t>2014-2-26</a:t>
             </a:fld>
             <a:endParaRPr lang="zh-CN" altLang="en-US"/>
           </a:p>
@@ -763,7 +763,7 @@
           <a:p>
             <a:fld id="{4475818C-D9DF-4648-BD60-3A05E60A0414}" type="datetimeFigureOut">
               <a:rPr lang="zh-CN" altLang="en-US" smtClean="0"/>
-              <a:t>2014/2/7</a:t>
+              <a:t>2014-2-26</a:t>
             </a:fld>
             <a:endParaRPr lang="zh-CN" altLang="en-US"/>
           </a:p>
@@ -1009,7 +1009,7 @@
           <a:p>
             <a:fld id="{4475818C-D9DF-4648-BD60-3A05E60A0414}" type="datetimeFigureOut">
               <a:rPr lang="zh-CN" altLang="en-US" smtClean="0"/>
-              <a:t>2014/2/7</a:t>
+              <a:t>2014-2-26</a:t>
             </a:fld>
             <a:endParaRPr lang="zh-CN" altLang="en-US"/>
           </a:p>
@@ -1241,7 +1241,7 @@
           <a:p>
             <a:fld id="{4475818C-D9DF-4648-BD60-3A05E60A0414}" type="datetimeFigureOut">
               <a:rPr lang="zh-CN" altLang="en-US" smtClean="0"/>
-              <a:t>2014/2/7</a:t>
+              <a:t>2014-2-26</a:t>
             </a:fld>
             <a:endParaRPr lang="zh-CN" altLang="en-US"/>
           </a:p>
@@ -1608,7 +1608,7 @@
           <a:p>
             <a:fld id="{4475818C-D9DF-4648-BD60-3A05E60A0414}" type="datetimeFigureOut">
               <a:rPr lang="zh-CN" altLang="en-US" smtClean="0"/>
-              <a:t>2014/2/7</a:t>
+              <a:t>2014-2-26</a:t>
             </a:fld>
             <a:endParaRPr lang="zh-CN" altLang="en-US"/>
           </a:p>
@@ -1726,7 +1726,7 @@
           <a:p>
             <a:fld id="{4475818C-D9DF-4648-BD60-3A05E60A0414}" type="datetimeFigureOut">
               <a:rPr lang="zh-CN" altLang="en-US" smtClean="0"/>
-              <a:t>2014/2/7</a:t>
+              <a:t>2014-2-26</a:t>
             </a:fld>
             <a:endParaRPr lang="zh-CN" altLang="en-US"/>
           </a:p>
@@ -1821,7 +1821,7 @@
           <a:p>
             <a:fld id="{4475818C-D9DF-4648-BD60-3A05E60A0414}" type="datetimeFigureOut">
               <a:rPr lang="zh-CN" altLang="en-US" smtClean="0"/>
-              <a:t>2014/2/7</a:t>
+              <a:t>2014-2-26</a:t>
             </a:fld>
             <a:endParaRPr lang="zh-CN" altLang="en-US"/>
           </a:p>
@@ -2098,7 +2098,7 @@
           <a:p>
             <a:fld id="{4475818C-D9DF-4648-BD60-3A05E60A0414}" type="datetimeFigureOut">
               <a:rPr lang="zh-CN" altLang="en-US" smtClean="0"/>
-              <a:t>2014/2/7</a:t>
+              <a:t>2014-2-26</a:t>
             </a:fld>
             <a:endParaRPr lang="zh-CN" altLang="en-US"/>
           </a:p>
@@ -2351,7 +2351,7 @@
           <a:p>
             <a:fld id="{4475818C-D9DF-4648-BD60-3A05E60A0414}" type="datetimeFigureOut">
               <a:rPr lang="zh-CN" altLang="en-US" smtClean="0"/>
-              <a:t>2014/2/7</a:t>
+              <a:t>2014-2-26</a:t>
             </a:fld>
             <a:endParaRPr lang="zh-CN" altLang="en-US"/>
           </a:p>
@@ -2564,7 +2564,7 @@
           <a:p>
             <a:fld id="{4475818C-D9DF-4648-BD60-3A05E60A0414}" type="datetimeFigureOut">
               <a:rPr lang="zh-CN" altLang="en-US" smtClean="0"/>
-              <a:t>2014/2/7</a:t>
+              <a:t>2014-2-26</a:t>
             </a:fld>
             <a:endParaRPr lang="zh-CN" altLang="en-US"/>
           </a:p>
@@ -3348,8 +3348,8 @@
         </p:nvSpPr>
         <p:spPr>
           <a:xfrm>
-            <a:off x="3644790" y="566666"/>
-            <a:ext cx="2491765" cy="2862322"/>
+            <a:off x="3644790" y="566665"/>
+            <a:ext cx="2622874" cy="2969913"/>
           </a:xfrm>
           <a:prstGeom prst="rect">
             <a:avLst/>
@@ -3372,11 +3372,7 @@
             </a:r>
             <a:r>
               <a:rPr lang="zh-CN" altLang="en-US" sz="1200" dirty="0" smtClean="0"/>
-              <a:t>，之后用户可以通过文本框输入要查询的编码。主要元素为一个文本框和一个查询</a:t>
-            </a:r>
-            <a:r>
-              <a:rPr lang="zh-CN" altLang="en-US" sz="1200" dirty="0" smtClean="0"/>
-              <a:t>按钮</a:t>
+              <a:t>，之后用户可以通过文本框输入要查询的编码。主要元素为一个文本框和一个查询按钮</a:t>
             </a:r>
             <a:endParaRPr lang="en-US" altLang="zh-CN" sz="1200" dirty="0" smtClean="0"/>
           </a:p>
@@ -3420,11 +3416,27 @@
             </a:r>
             <a:r>
               <a:rPr lang="zh-CN" altLang="en-US" sz="1200" dirty="0" smtClean="0"/>
-              <a:t>接收结果。判断返回的结果，再调用</a:t>
+              <a:t>接收结果。判断返回的结果</a:t>
+            </a:r>
+            <a:r>
+              <a:rPr lang="zh-CN" altLang="en-US" sz="1200" dirty="0" smtClean="0"/>
+              <a:t>，再</a:t>
+            </a:r>
+            <a:r>
+              <a:rPr lang="zh-CN" altLang="en-US" sz="1200" dirty="0" smtClean="0"/>
+              <a:t>调用</a:t>
             </a:r>
             <a:r>
               <a:rPr lang="en-US" altLang="zh-CN" sz="1200" dirty="0" err="1" smtClean="0"/>
               <a:t>DrawActivity</a:t>
+            </a:r>
+            <a:r>
+              <a:rPr lang="zh-CN" altLang="en-US" sz="1200" dirty="0" smtClean="0"/>
+              <a:t>或者是</a:t>
+            </a:r>
+            <a:r>
+              <a:rPr lang="en-US" altLang="zh-CN" sz="1200" dirty="0" err="1" smtClean="0"/>
+              <a:t>ShowDataActivity</a:t>
             </a:r>
             <a:r>
               <a:rPr lang="zh-CN" altLang="en-US" sz="1200" dirty="0" smtClean="0"/>
@@ -3649,7 +3661,7 @@
         </p:nvSpPr>
         <p:spPr>
           <a:xfrm>
-            <a:off x="6524468" y="3167247"/>
+            <a:off x="6519189" y="2861767"/>
             <a:ext cx="2491765" cy="1349623"/>
           </a:xfrm>
           <a:prstGeom prst="roundRect">
@@ -4142,8 +4154,8 @@
         </p:nvSpPr>
         <p:spPr>
           <a:xfrm>
-            <a:off x="3644790" y="3871075"/>
-            <a:ext cx="2491765" cy="2862322"/>
+            <a:off x="3550672" y="3822194"/>
+            <a:ext cx="2622874" cy="2898217"/>
           </a:xfrm>
           <a:prstGeom prst="rect">
             <a:avLst/>
@@ -4241,12 +4253,24 @@
               <a:t>返回的结果，再调用</a:t>
             </a:r>
             <a:r>
+              <a:rPr lang="en-US" altLang="zh-CN" sz="1200" dirty="0" err="1" smtClean="0"/>
+              <a:t>DrawActivity</a:t>
+            </a:r>
+            <a:r>
+              <a:rPr lang="zh-CN" altLang="en-US" sz="1200" dirty="0"/>
+              <a:t>或者是</a:t>
+            </a:r>
+            <a:r>
               <a:rPr lang="en-US" altLang="zh-CN" sz="1200" dirty="0" err="1"/>
-              <a:t>DrawActivity</a:t>
+              <a:t>ShowDataActivity</a:t>
+            </a:r>
+            <a:r>
+              <a:rPr lang="zh-CN" altLang="en-US" sz="1200" dirty="0" smtClean="0"/>
+              <a:t>呈现</a:t>
             </a:r>
             <a:r>
               <a:rPr lang="zh-CN" altLang="en-US" sz="1200" dirty="0"/>
-              <a:t>呈现饼图或者提示用户其他相关信息（例如，当反应超时会提醒用户检查网络连接</a:t>
+              <a:t>饼图或者提示用户其他相关信息（例如，当反应超时会提醒用户检查网络连接</a:t>
             </a:r>
             <a:r>
               <a:rPr lang="zh-CN" altLang="en-US" sz="1200" dirty="0" smtClean="0"/>
@@ -4337,7 +4361,7 @@
         </p:nvCxnSpPr>
         <p:spPr>
           <a:xfrm flipV="1">
-            <a:off x="6136555" y="4516870"/>
+            <a:off x="6131276" y="4211390"/>
             <a:ext cx="1633796" cy="1508866"/>
           </a:xfrm>
           <a:prstGeom prst="bentConnector2">
@@ -4453,11 +4477,7 @@
             </a:r>
             <a:r>
               <a:rPr lang="zh-CN" altLang="en-US" sz="1200" dirty="0" smtClean="0"/>
-              <a:t>中</a:t>
-            </a:r>
-            <a:r>
-              <a:rPr lang="zh-CN" altLang="en-US" sz="1200" dirty="0" smtClean="0"/>
-              <a:t>所有</a:t>
+              <a:t>中所有</a:t>
             </a:r>
             <a:r>
               <a:rPr lang="zh-CN" altLang="en-US" sz="1200" dirty="0"/>
@@ -4796,6 +4816,231 @@
               <a:t>生成器</a:t>
             </a:r>
             <a:endParaRPr lang="en-US" altLang="zh-CN" sz="1600" dirty="0" smtClean="0"/>
+          </a:p>
+        </p:txBody>
+      </p:sp>
+      <p:sp>
+        <p:nvSpPr>
+          <p:cNvPr id="42" name="圆角矩形 41"/>
+          <p:cNvSpPr/>
+          <p:nvPr/>
+        </p:nvSpPr>
+        <p:spPr>
+          <a:xfrm>
+            <a:off x="6655577" y="340666"/>
+            <a:ext cx="2491765" cy="1349623"/>
+          </a:xfrm>
+          <a:prstGeom prst="roundRect">
+            <a:avLst>
+              <a:gd name="adj" fmla="val 0"/>
+            </a:avLst>
+          </a:prstGeom>
+          <a:noFill/>
+          <a:ln>
+            <a:solidFill>
+              <a:schemeClr val="tx1">
+                <a:lumMod val="95000"/>
+                <a:lumOff val="5000"/>
+              </a:schemeClr>
+            </a:solidFill>
+          </a:ln>
+        </p:spPr>
+        <p:style>
+          <a:lnRef idx="2">
+            <a:schemeClr val="accent1">
+              <a:shade val="50000"/>
+            </a:schemeClr>
+          </a:lnRef>
+          <a:fillRef idx="1">
+            <a:schemeClr val="accent1"/>
+          </a:fillRef>
+          <a:effectRef idx="0">
+            <a:schemeClr val="accent1"/>
+          </a:effectRef>
+          <a:fontRef idx="minor">
+            <a:schemeClr val="lt1"/>
+          </a:fontRef>
+        </p:style>
+        <p:txBody>
+          <a:bodyPr rtlCol="0" anchor="ctr"/>
+          <a:lstStyle/>
+          <a:p>
+            <a:pPr algn="ctr"/>
+            <a:endParaRPr lang="zh-CN" altLang="en-US"/>
+          </a:p>
+        </p:txBody>
+      </p:sp>
+      <p:cxnSp>
+        <p:nvCxnSpPr>
+          <p:cNvPr id="43" name="直接箭头连接符 42"/>
+          <p:cNvCxnSpPr/>
+          <p:nvPr/>
+        </p:nvCxnSpPr>
+        <p:spPr>
+          <a:xfrm flipV="1">
+            <a:off x="6173546" y="646146"/>
+            <a:ext cx="503447" cy="2215621"/>
+          </a:xfrm>
+          <a:prstGeom prst="straightConnector1">
+            <a:avLst/>
+          </a:prstGeom>
+          <a:ln>
+            <a:tailEnd type="triangle" w="lg" len="lg"/>
+          </a:ln>
+        </p:spPr>
+        <p:style>
+          <a:lnRef idx="1">
+            <a:schemeClr val="accent1"/>
+          </a:lnRef>
+          <a:fillRef idx="0">
+            <a:schemeClr val="accent1"/>
+          </a:fillRef>
+          <a:effectRef idx="0">
+            <a:schemeClr val="accent1"/>
+          </a:effectRef>
+          <a:fontRef idx="minor">
+            <a:schemeClr val="tx1"/>
+          </a:fontRef>
+        </p:style>
+      </p:cxnSp>
+      <p:cxnSp>
+        <p:nvCxnSpPr>
+          <p:cNvPr id="44" name="肘形连接符 43"/>
+          <p:cNvCxnSpPr>
+            <a:stCxn id="71" idx="3"/>
+          </p:cNvCxnSpPr>
+          <p:nvPr/>
+        </p:nvCxnSpPr>
+        <p:spPr>
+          <a:xfrm flipV="1">
+            <a:off x="6173546" y="1578519"/>
+            <a:ext cx="1736093" cy="3692784"/>
+          </a:xfrm>
+          <a:prstGeom prst="bentConnector2">
+            <a:avLst/>
+          </a:prstGeom>
+          <a:ln>
+            <a:tailEnd type="triangle" w="lg" len="lg"/>
+          </a:ln>
+        </p:spPr>
+        <p:style>
+          <a:lnRef idx="1">
+            <a:schemeClr val="accent1"/>
+          </a:lnRef>
+          <a:fillRef idx="0">
+            <a:schemeClr val="accent1"/>
+          </a:fillRef>
+          <a:effectRef idx="0">
+            <a:schemeClr val="accent1"/>
+          </a:effectRef>
+          <a:fontRef idx="minor">
+            <a:schemeClr val="tx1"/>
+          </a:fontRef>
+        </p:style>
+      </p:cxnSp>
+      <p:sp>
+        <p:nvSpPr>
+          <p:cNvPr id="54" name="文本框 40"/>
+          <p:cNvSpPr txBox="1"/>
+          <p:nvPr/>
+        </p:nvSpPr>
+        <p:spPr>
+          <a:xfrm>
+            <a:off x="7247698" y="559001"/>
+            <a:ext cx="1833131" cy="369332"/>
+          </a:xfrm>
+          <a:prstGeom prst="rect">
+            <a:avLst/>
+          </a:prstGeom>
+          <a:noFill/>
+        </p:spPr>
+        <p:txBody>
+          <a:bodyPr wrap="none" rtlCol="0">
+            <a:spAutoFit/>
+          </a:bodyPr>
+          <a:lstStyle/>
+          <a:p>
+            <a:r>
+              <a:rPr lang="en-US" altLang="zh-CN" dirty="0" err="1" smtClean="0"/>
+              <a:t>ShowDataActivity</a:t>
+            </a:r>
+            <a:endParaRPr lang="zh-CN" altLang="en-US" dirty="0" smtClean="0"/>
+          </a:p>
+        </p:txBody>
+      </p:sp>
+      <p:cxnSp>
+        <p:nvCxnSpPr>
+          <p:cNvPr id="55" name="直接连接符 54"/>
+          <p:cNvCxnSpPr/>
+          <p:nvPr/>
+        </p:nvCxnSpPr>
+        <p:spPr>
+          <a:xfrm>
+            <a:off x="6689697" y="964967"/>
+            <a:ext cx="2491765" cy="0"/>
+          </a:xfrm>
+          <a:prstGeom prst="line">
+            <a:avLst/>
+          </a:prstGeom>
+          <a:ln>
+            <a:solidFill>
+              <a:schemeClr val="tx1">
+                <a:lumMod val="95000"/>
+                <a:lumOff val="5000"/>
+              </a:schemeClr>
+            </a:solidFill>
+          </a:ln>
+        </p:spPr>
+        <p:style>
+          <a:lnRef idx="1">
+            <a:schemeClr val="accent1"/>
+          </a:lnRef>
+          <a:fillRef idx="0">
+            <a:schemeClr val="accent1"/>
+          </a:fillRef>
+          <a:effectRef idx="0">
+            <a:schemeClr val="accent1"/>
+          </a:effectRef>
+          <a:fontRef idx="minor">
+            <a:schemeClr val="tx1"/>
+          </a:fontRef>
+        </p:style>
+      </p:cxnSp>
+      <p:sp>
+        <p:nvSpPr>
+          <p:cNvPr id="56" name="文本框 52"/>
+          <p:cNvSpPr txBox="1"/>
+          <p:nvPr/>
+        </p:nvSpPr>
+        <p:spPr>
+          <a:xfrm>
+            <a:off x="6689697" y="1163397"/>
+            <a:ext cx="2491765" cy="276999"/>
+          </a:xfrm>
+          <a:prstGeom prst="rect">
+            <a:avLst/>
+          </a:prstGeom>
+          <a:noFill/>
+        </p:spPr>
+        <p:txBody>
+          <a:bodyPr wrap="square" rtlCol="0">
+            <a:spAutoFit/>
+          </a:bodyPr>
+          <a:lstStyle/>
+          <a:p>
+            <a:r>
+              <a:rPr lang="zh-CN" altLang="en-US" sz="1200" dirty="0" smtClean="0"/>
+              <a:t>根据</a:t>
+            </a:r>
+            <a:r>
+              <a:rPr lang="zh-CN" altLang="en-US" sz="1200" dirty="0" smtClean="0"/>
+              <a:t>数据</a:t>
+            </a:r>
+            <a:r>
+              <a:rPr lang="zh-CN" altLang="en-US" sz="1200" dirty="0" smtClean="0"/>
+              <a:t>显示相关信息</a:t>
+            </a:r>
+            <a:endParaRPr lang="zh-CN" altLang="en-US" sz="1200" dirty="0"/>
           </a:p>
         </p:txBody>
       </p:sp>
@@ -5074,7 +5319,7 @@
   <a:extraClrSchemeLst/>
   <a:extLst>
     <a:ext uri="{05A4C25C-085E-4340-85A3-A5531E510DB2}">
-      <thm15:themeFamily xmlns:thm15="http://schemas.microsoft.com/office/thememl/2012/main" name="Office Theme" id="{62F939B6-93AF-4DB8-9C6B-D6C7DFDC589F}" vid="{4A3C46E8-61CC-4603-A589-7422A47A8E4A}"/>
+      <thm15:themeFamily xmlns:thm15="http://schemas.microsoft.com/office/thememl/2012/main" xmlns="" name="Office Theme" id="{62F939B6-93AF-4DB8-9C6B-D6C7DFDC589F}" vid="{4A3C46E8-61CC-4603-A589-7422A47A8E4A}"/>
     </a:ext>
   </a:extLst>
 </a:theme>

--- a/android客户端概要设计.pptx
+++ b/android客户端概要设计.pptx
@@ -1,6 +1,6 @@
 
 <file path=ppt/presentation.xml><?xml version="1.0" encoding="utf-8"?>
-<p:presentation xmlns:a="http://schemas.openxmlformats.org/drawingml/2006/main" xmlns:r="http://schemas.openxmlformats.org/officeDocument/2006/relationships" xmlns:p="http://schemas.openxmlformats.org/presentationml/2006/main" serverZoom="50658" saveSubsetFonts="1">
+<p:presentation xmlns:a="http://schemas.openxmlformats.org/drawingml/2006/main" xmlns:r="http://schemas.openxmlformats.org/officeDocument/2006/relationships" xmlns:p="http://schemas.openxmlformats.org/presentationml/2006/main" serverZoom="40350" saveSubsetFonts="1">
   <p:sldMasterIdLst>
     <p:sldMasterId id="2147483648" r:id="rId1"/>
   </p:sldMasterIdLst>
@@ -106,7 +106,7 @@
   </p:defaultTextStyle>
   <p:extLst>
     <p:ext uri="{EFAFB233-063F-42B5-8137-9DF3F51BA10A}">
-      <p15:sldGuideLst xmlns:p15="http://schemas.microsoft.com/office/powerpoint/2012/main" xmlns=""/>
+      <p15:sldGuideLst xmlns="" xmlns:p15="http://schemas.microsoft.com/office/powerpoint/2012/main"/>
     </p:ext>
   </p:extLst>
 </p:presentation>
@@ -243,7 +243,7 @@
           <a:p>
             <a:fld id="{4475818C-D9DF-4648-BD60-3A05E60A0414}" type="datetimeFigureOut">
               <a:rPr lang="zh-CN" altLang="en-US" smtClean="0"/>
-              <a:t>2014-2-26</a:t>
+              <a:t>2014-3-5</a:t>
             </a:fld>
             <a:endParaRPr lang="zh-CN" altLang="en-US"/>
           </a:p>
@@ -413,7 +413,7 @@
           <a:p>
             <a:fld id="{4475818C-D9DF-4648-BD60-3A05E60A0414}" type="datetimeFigureOut">
               <a:rPr lang="zh-CN" altLang="en-US" smtClean="0"/>
-              <a:t>2014-2-26</a:t>
+              <a:t>2014-3-5</a:t>
             </a:fld>
             <a:endParaRPr lang="zh-CN" altLang="en-US"/>
           </a:p>
@@ -593,7 +593,7 @@
           <a:p>
             <a:fld id="{4475818C-D9DF-4648-BD60-3A05E60A0414}" type="datetimeFigureOut">
               <a:rPr lang="zh-CN" altLang="en-US" smtClean="0"/>
-              <a:t>2014-2-26</a:t>
+              <a:t>2014-3-5</a:t>
             </a:fld>
             <a:endParaRPr lang="zh-CN" altLang="en-US"/>
           </a:p>
@@ -763,7 +763,7 @@
           <a:p>
             <a:fld id="{4475818C-D9DF-4648-BD60-3A05E60A0414}" type="datetimeFigureOut">
               <a:rPr lang="zh-CN" altLang="en-US" smtClean="0"/>
-              <a:t>2014-2-26</a:t>
+              <a:t>2014-3-5</a:t>
             </a:fld>
             <a:endParaRPr lang="zh-CN" altLang="en-US"/>
           </a:p>
@@ -1009,7 +1009,7 @@
           <a:p>
             <a:fld id="{4475818C-D9DF-4648-BD60-3A05E60A0414}" type="datetimeFigureOut">
               <a:rPr lang="zh-CN" altLang="en-US" smtClean="0"/>
-              <a:t>2014-2-26</a:t>
+              <a:t>2014-3-5</a:t>
             </a:fld>
             <a:endParaRPr lang="zh-CN" altLang="en-US"/>
           </a:p>
@@ -1241,7 +1241,7 @@
           <a:p>
             <a:fld id="{4475818C-D9DF-4648-BD60-3A05E60A0414}" type="datetimeFigureOut">
               <a:rPr lang="zh-CN" altLang="en-US" smtClean="0"/>
-              <a:t>2014-2-26</a:t>
+              <a:t>2014-3-5</a:t>
             </a:fld>
             <a:endParaRPr lang="zh-CN" altLang="en-US"/>
           </a:p>
@@ -1608,7 +1608,7 @@
           <a:p>
             <a:fld id="{4475818C-D9DF-4648-BD60-3A05E60A0414}" type="datetimeFigureOut">
               <a:rPr lang="zh-CN" altLang="en-US" smtClean="0"/>
-              <a:t>2014-2-26</a:t>
+              <a:t>2014-3-5</a:t>
             </a:fld>
             <a:endParaRPr lang="zh-CN" altLang="en-US"/>
           </a:p>
@@ -1726,7 +1726,7 @@
           <a:p>
             <a:fld id="{4475818C-D9DF-4648-BD60-3A05E60A0414}" type="datetimeFigureOut">
               <a:rPr lang="zh-CN" altLang="en-US" smtClean="0"/>
-              <a:t>2014-2-26</a:t>
+              <a:t>2014-3-5</a:t>
             </a:fld>
             <a:endParaRPr lang="zh-CN" altLang="en-US"/>
           </a:p>
@@ -1821,7 +1821,7 @@
           <a:p>
             <a:fld id="{4475818C-D9DF-4648-BD60-3A05E60A0414}" type="datetimeFigureOut">
               <a:rPr lang="zh-CN" altLang="en-US" smtClean="0"/>
-              <a:t>2014-2-26</a:t>
+              <a:t>2014-3-5</a:t>
             </a:fld>
             <a:endParaRPr lang="zh-CN" altLang="en-US"/>
           </a:p>
@@ -2098,7 +2098,7 @@
           <a:p>
             <a:fld id="{4475818C-D9DF-4648-BD60-3A05E60A0414}" type="datetimeFigureOut">
               <a:rPr lang="zh-CN" altLang="en-US" smtClean="0"/>
-              <a:t>2014-2-26</a:t>
+              <a:t>2014-3-5</a:t>
             </a:fld>
             <a:endParaRPr lang="zh-CN" altLang="en-US"/>
           </a:p>
@@ -2351,7 +2351,7 @@
           <a:p>
             <a:fld id="{4475818C-D9DF-4648-BD60-3A05E60A0414}" type="datetimeFigureOut">
               <a:rPr lang="zh-CN" altLang="en-US" smtClean="0"/>
-              <a:t>2014-2-26</a:t>
+              <a:t>2014-3-5</a:t>
             </a:fld>
             <a:endParaRPr lang="zh-CN" altLang="en-US"/>
           </a:p>
@@ -2564,7 +2564,7 @@
           <a:p>
             <a:fld id="{4475818C-D9DF-4648-BD60-3A05E60A0414}" type="datetimeFigureOut">
               <a:rPr lang="zh-CN" altLang="en-US" smtClean="0"/>
-              <a:t>2014-2-26</a:t>
+              <a:t>2014-3-5</a:t>
             </a:fld>
             <a:endParaRPr lang="zh-CN" altLang="en-US"/>
           </a:p>
@@ -2977,7 +2977,7 @@
         </p:nvSpPr>
         <p:spPr>
           <a:xfrm>
-            <a:off x="387755" y="113146"/>
+            <a:off x="415959" y="131109"/>
             <a:ext cx="3162917" cy="369332"/>
           </a:xfrm>
           <a:prstGeom prst="rect">
@@ -3042,7 +3042,7 @@
         <p:spPr>
           <a:xfrm>
             <a:off x="607143" y="1653831"/>
-            <a:ext cx="2491765" cy="2036389"/>
+            <a:ext cx="2329695" cy="2601696"/>
           </a:xfrm>
           <a:prstGeom prst="roundRect">
             <a:avLst>
@@ -3093,7 +3093,7 @@
         <p:spPr>
           <a:xfrm>
             <a:off x="607143" y="1995867"/>
-            <a:ext cx="2491765" cy="0"/>
+            <a:ext cx="2330396" cy="0"/>
           </a:xfrm>
           <a:prstGeom prst="line">
             <a:avLst/>
@@ -3130,8 +3130,8 @@
         </p:nvSpPr>
         <p:spPr>
           <a:xfrm>
-            <a:off x="607143" y="2394888"/>
-            <a:ext cx="2491765" cy="1384995"/>
+            <a:off x="607138" y="2478845"/>
+            <a:ext cx="2491765" cy="1754326"/>
           </a:xfrm>
           <a:prstGeom prst="rect">
             <a:avLst/>
@@ -3178,6 +3178,17 @@
               <a:rPr lang="zh-CN" altLang="en-US" sz="1200" dirty="0" smtClean="0"/>
               <a:t>去扫描二维码</a:t>
             </a:r>
+            <a:endParaRPr lang="en-US" altLang="zh-CN" sz="1200" dirty="0" smtClean="0"/>
+          </a:p>
+          <a:p>
+            <a:pPr marL="228600" indent="-228600">
+              <a:buFontTx/>
+              <a:buAutoNum type="arabicPeriod"/>
+            </a:pPr>
+            <a:r>
+              <a:rPr lang="zh-CN" altLang="en-US" sz="1200" dirty="0" smtClean="0"/>
+              <a:t>有设置和退出两个菜单项，点击退出退出整个应用程序</a:t>
+            </a:r>
           </a:p>
           <a:p>
             <a:pPr marL="228600" indent="-228600">
@@ -3229,7 +3240,7 @@
         </p:nvSpPr>
         <p:spPr>
           <a:xfrm>
-            <a:off x="3841346" y="194343"/>
+            <a:off x="3652126" y="1829615"/>
             <a:ext cx="2098651" cy="369332"/>
           </a:xfrm>
           <a:prstGeom prst="rect">
@@ -3259,8 +3270,8 @@
         </p:nvSpPr>
         <p:spPr>
           <a:xfrm>
-            <a:off x="3644790" y="203317"/>
-            <a:ext cx="2491765" cy="3150746"/>
+            <a:off x="3455570" y="1838589"/>
+            <a:ext cx="2491765" cy="1423910"/>
           </a:xfrm>
           <a:prstGeom prst="roundRect">
             <a:avLst>
@@ -3310,7 +3321,7 @@
         </p:nvCxnSpPr>
         <p:spPr>
           <a:xfrm>
-            <a:off x="3644790" y="559001"/>
+            <a:off x="3455570" y="2194273"/>
             <a:ext cx="2491765" cy="0"/>
           </a:xfrm>
           <a:prstGeom prst="line">
@@ -3348,8 +3359,8 @@
         </p:nvSpPr>
         <p:spPr>
           <a:xfrm>
-            <a:off x="3644790" y="566665"/>
-            <a:ext cx="2622874" cy="2969913"/>
+            <a:off x="3404727" y="2205281"/>
+            <a:ext cx="2622874" cy="1569660"/>
           </a:xfrm>
           <a:prstGeom prst="rect">
             <a:avLst/>
@@ -3372,85 +3383,34 @@
             </a:r>
             <a:r>
               <a:rPr lang="zh-CN" altLang="en-US" sz="1200" dirty="0" smtClean="0"/>
-              <a:t>，之后用户可以通过文本框输入要查询的编码。主要元素为一个文本框和一个查询按钮</a:t>
-            </a:r>
+              <a:t>，之后用户可以通过文本框输入要查询的编码。主要元素为一个文本框和一个查询</a:t>
+            </a:r>
+            <a:r>
+              <a:rPr lang="zh-CN" altLang="en-US" sz="1200" dirty="0" smtClean="0"/>
+              <a:t>按钮</a:t>
+            </a:r>
+            <a:r>
+              <a:rPr lang="en-US" altLang="zh-CN" sz="1200" dirty="0" smtClean="0"/>
+              <a:t>,</a:t>
+            </a:r>
+            <a:r>
+              <a:rPr lang="zh-CN" altLang="en-US" sz="1200" dirty="0" smtClean="0"/>
+              <a:t>当用户点击查询按钮时会跳转到</a:t>
+            </a:r>
+            <a:r>
+              <a:rPr lang="en-US" altLang="zh-CN" sz="1200" dirty="0" err="1"/>
+              <a:t>ProgressBarActivity</a:t>
+            </a:r>
+            <a:endParaRPr lang="zh-CN" altLang="en-US" sz="1200" dirty="0"/>
+          </a:p>
+          <a:p>
             <a:endParaRPr lang="en-US" altLang="zh-CN" sz="1200" dirty="0" smtClean="0"/>
           </a:p>
           <a:p>
             <a:endParaRPr lang="en-US" altLang="zh-CN" sz="1200" dirty="0"/>
           </a:p>
           <a:p>
-            <a:r>
-              <a:rPr lang="zh-CN" altLang="en-US" sz="1200" dirty="0" smtClean="0"/>
-              <a:t>当用户点击查询按钮后，将文本框中的内容通过</a:t>
-            </a:r>
-            <a:r>
-              <a:rPr lang="en-US" altLang="zh-CN" sz="1200" dirty="0" smtClean="0"/>
-              <a:t>intent</a:t>
-            </a:r>
-            <a:r>
-              <a:rPr lang="zh-CN" altLang="en-US" sz="1200" dirty="0" smtClean="0"/>
-              <a:t>发送给</a:t>
-            </a:r>
-            <a:r>
-              <a:rPr lang="en-US" altLang="zh-CN" sz="1200" dirty="0" err="1" smtClean="0"/>
-              <a:t>SendHttpRequestService</a:t>
-            </a:r>
-            <a:r>
-              <a:rPr lang="zh-CN" altLang="en-US" sz="1200" dirty="0" smtClean="0"/>
-              <a:t>，之后会有结果返回</a:t>
-            </a:r>
-            <a:endParaRPr lang="en-US" altLang="zh-CN" sz="1200" dirty="0" smtClean="0"/>
-          </a:p>
-          <a:p>
             <a:endParaRPr lang="en-US" altLang="zh-CN" sz="1200" dirty="0"/>
-          </a:p>
-          <a:p>
-            <a:r>
-              <a:rPr lang="zh-CN" altLang="en-US" sz="1200" dirty="0" smtClean="0"/>
-              <a:t>通过</a:t>
-            </a:r>
-            <a:r>
-              <a:rPr lang="en-US" altLang="zh-CN" sz="1200" dirty="0" err="1" smtClean="0"/>
-              <a:t>broadcastReceiver</a:t>
-            </a:r>
-            <a:r>
-              <a:rPr lang="zh-CN" altLang="en-US" sz="1200" dirty="0" smtClean="0"/>
-              <a:t>接收结果。判断返回的结果</a:t>
-            </a:r>
-            <a:r>
-              <a:rPr lang="zh-CN" altLang="en-US" sz="1200" dirty="0" smtClean="0"/>
-              <a:t>，再</a:t>
-            </a:r>
-            <a:r>
-              <a:rPr lang="zh-CN" altLang="en-US" sz="1200" dirty="0" smtClean="0"/>
-              <a:t>调用</a:t>
-            </a:r>
-            <a:r>
-              <a:rPr lang="en-US" altLang="zh-CN" sz="1200" dirty="0" err="1" smtClean="0"/>
-              <a:t>DrawActivity</a:t>
-            </a:r>
-            <a:r>
-              <a:rPr lang="zh-CN" altLang="en-US" sz="1200" dirty="0" smtClean="0"/>
-              <a:t>或者是</a:t>
-            </a:r>
-            <a:r>
-              <a:rPr lang="en-US" altLang="zh-CN" sz="1200" dirty="0" err="1" smtClean="0"/>
-              <a:t>ShowDataActivity</a:t>
-            </a:r>
-            <a:r>
-              <a:rPr lang="zh-CN" altLang="en-US" sz="1200" dirty="0" smtClean="0"/>
-              <a:t>呈现</a:t>
-            </a:r>
-            <a:r>
-              <a:rPr lang="zh-CN" altLang="en-US" sz="1200" dirty="0"/>
-              <a:t>饼图</a:t>
-            </a:r>
-            <a:r>
-              <a:rPr lang="zh-CN" altLang="en-US" sz="1200" dirty="0" smtClean="0"/>
-              <a:t>或者提示用户其他相关信息（例如，当反应超时会提醒用户检查网络连接）</a:t>
-            </a:r>
-            <a:endParaRPr lang="en-US" altLang="zh-CN" sz="1200" dirty="0" smtClean="0"/>
           </a:p>
         </p:txBody>
       </p:sp>
@@ -3631,7 +3591,7 @@
         </p:nvSpPr>
         <p:spPr>
           <a:xfrm>
-            <a:off x="7077589" y="3158273"/>
+            <a:off x="6692727" y="3180731"/>
             <a:ext cx="1375761" cy="369332"/>
           </a:xfrm>
           <a:prstGeom prst="rect">
@@ -3661,8 +3621,8 @@
         </p:nvSpPr>
         <p:spPr>
           <a:xfrm>
-            <a:off x="6519189" y="2861767"/>
-            <a:ext cx="2491765" cy="1349623"/>
+            <a:off x="6195032" y="3117908"/>
+            <a:ext cx="2491765" cy="950948"/>
           </a:xfrm>
           <a:prstGeom prst="roundRect">
             <a:avLst>
@@ -3712,7 +3672,7 @@
         </p:nvCxnSpPr>
         <p:spPr>
           <a:xfrm>
-            <a:off x="6524468" y="3536579"/>
+            <a:off x="6195032" y="3524995"/>
             <a:ext cx="2491765" cy="0"/>
           </a:xfrm>
           <a:prstGeom prst="line">
@@ -3750,8 +3710,8 @@
         </p:nvSpPr>
         <p:spPr>
           <a:xfrm>
-            <a:off x="6524468" y="3530596"/>
-            <a:ext cx="2491765" cy="276999"/>
+            <a:off x="6347406" y="3586326"/>
+            <a:ext cx="2491765" cy="461665"/>
           </a:xfrm>
           <a:prstGeom prst="rect">
             <a:avLst/>
@@ -3766,7 +3726,42 @@
           <a:p>
             <a:r>
               <a:rPr lang="zh-CN" altLang="en-US" sz="1200" dirty="0" smtClean="0"/>
-              <a:t>根据数据呈现出饼图</a:t>
+              <a:t>当</a:t>
+            </a:r>
+            <a:r>
+              <a:rPr lang="en-US" altLang="zh-CN" sz="1200" dirty="0"/>
+              <a:t>status</a:t>
+            </a:r>
+            <a:r>
+              <a:rPr lang="zh-CN" altLang="en-US" sz="1200" dirty="0"/>
+              <a:t>大于</a:t>
+            </a:r>
+            <a:r>
+              <a:rPr lang="en-US" altLang="zh-CN" sz="1200" dirty="0"/>
+              <a:t>1</a:t>
+            </a:r>
+            <a:r>
+              <a:rPr lang="zh-CN" altLang="en-US" sz="1200" dirty="0"/>
+              <a:t>时根据</a:t>
+            </a:r>
+            <a:r>
+              <a:rPr lang="zh-CN" altLang="en-US" sz="1200" dirty="0" smtClean="0"/>
+              <a:t>数据呈现</a:t>
+            </a:r>
+            <a:r>
+              <a:rPr lang="zh-CN" altLang="en-US" sz="1200" dirty="0" smtClean="0"/>
+              <a:t>出</a:t>
+            </a:r>
+            <a:endParaRPr lang="en-US" altLang="zh-CN" sz="1200" dirty="0" smtClean="0"/>
+          </a:p>
+          <a:p>
+            <a:r>
+              <a:rPr lang="zh-CN" altLang="en-US" sz="1200" dirty="0" smtClean="0"/>
+              <a:t>饼</a:t>
+            </a:r>
+            <a:r>
+              <a:rPr lang="zh-CN" altLang="en-US" sz="1200" dirty="0" smtClean="0"/>
+              <a:t>图</a:t>
             </a:r>
             <a:endParaRPr lang="zh-CN" altLang="en-US" sz="1200" dirty="0"/>
           </a:p>
@@ -3780,7 +3775,7 @@
         </p:nvSpPr>
         <p:spPr>
           <a:xfrm>
-            <a:off x="9181462" y="1505623"/>
+            <a:off x="9369514" y="103659"/>
             <a:ext cx="2499659" cy="369332"/>
           </a:xfrm>
           <a:prstGeom prst="rect">
@@ -3810,7 +3805,7 @@
         </p:nvSpPr>
         <p:spPr>
           <a:xfrm>
-            <a:off x="9166482" y="1514597"/>
+            <a:off x="9354534" y="112633"/>
             <a:ext cx="2491765" cy="1652650"/>
           </a:xfrm>
           <a:prstGeom prst="roundRect">
@@ -3861,7 +3856,7 @@
         </p:nvCxnSpPr>
         <p:spPr>
           <a:xfrm>
-            <a:off x="9166482" y="1883929"/>
+            <a:off x="9369514" y="475982"/>
             <a:ext cx="2491765" cy="0"/>
           </a:xfrm>
           <a:prstGeom prst="line">
@@ -3899,7 +3894,7 @@
         </p:nvSpPr>
         <p:spPr>
           <a:xfrm>
-            <a:off x="9166482" y="1877946"/>
+            <a:off x="9354534" y="475982"/>
             <a:ext cx="2491765" cy="1200329"/>
           </a:xfrm>
           <a:prstGeom prst="rect">
@@ -3969,7 +3964,7 @@
         </p:nvCxnSpPr>
         <p:spPr>
           <a:xfrm>
-            <a:off x="3098906" y="2708941"/>
+            <a:off x="2936838" y="2696197"/>
             <a:ext cx="545882" cy="0"/>
           </a:xfrm>
           <a:prstGeom prst="straightConnector1">
@@ -3994,39 +3989,6 @@
           </a:fontRef>
         </p:style>
       </p:cxnSp>
-      <p:cxnSp>
-        <p:nvCxnSpPr>
-          <p:cNvPr id="66" name="直接箭头连接符 65"/>
-          <p:cNvCxnSpPr/>
-          <p:nvPr/>
-        </p:nvCxnSpPr>
-        <p:spPr>
-          <a:xfrm>
-            <a:off x="5994723" y="3167247"/>
-            <a:ext cx="545882" cy="0"/>
-          </a:xfrm>
-          <a:prstGeom prst="straightConnector1">
-            <a:avLst/>
-          </a:prstGeom>
-          <a:ln>
-            <a:tailEnd type="triangle" w="lg" len="lg"/>
-          </a:ln>
-        </p:spPr>
-        <p:style>
-          <a:lnRef idx="1">
-            <a:schemeClr val="accent1"/>
-          </a:lnRef>
-          <a:fillRef idx="0">
-            <a:schemeClr val="accent1"/>
-          </a:fillRef>
-          <a:effectRef idx="0">
-            <a:schemeClr val="accent1"/>
-          </a:effectRef>
-          <a:fontRef idx="minor">
-            <a:schemeClr val="tx1"/>
-          </a:fontRef>
-        </p:style>
-      </p:cxnSp>
       <p:sp>
         <p:nvSpPr>
           <p:cNvPr id="67" name="文本框 66"/>
@@ -4035,7 +3997,7 @@
         </p:nvSpPr>
         <p:spPr>
           <a:xfrm>
-            <a:off x="3786618" y="3508923"/>
+            <a:off x="3625963" y="4264235"/>
             <a:ext cx="2208105" cy="369332"/>
           </a:xfrm>
           <a:prstGeom prst="rect">
@@ -4065,8 +4027,8 @@
         </p:nvSpPr>
         <p:spPr>
           <a:xfrm>
-            <a:off x="3644790" y="3507726"/>
-            <a:ext cx="2491765" cy="3111438"/>
+            <a:off x="3415148" y="4231119"/>
+            <a:ext cx="2491765" cy="2288015"/>
           </a:xfrm>
           <a:prstGeom prst="roundRect">
             <a:avLst>
@@ -4116,7 +4078,7 @@
         </p:nvCxnSpPr>
         <p:spPr>
           <a:xfrm>
-            <a:off x="3644790" y="3877058"/>
+            <a:off x="3427006" y="4632370"/>
             <a:ext cx="2491765" cy="0"/>
           </a:xfrm>
           <a:prstGeom prst="line">
@@ -4154,8 +4116,8 @@
         </p:nvSpPr>
         <p:spPr>
           <a:xfrm>
-            <a:off x="3550672" y="3822194"/>
-            <a:ext cx="2622874" cy="2898217"/>
+            <a:off x="3349594" y="4744915"/>
+            <a:ext cx="2622874" cy="2123658"/>
           </a:xfrm>
           <a:prstGeom prst="rect">
             <a:avLst/>
@@ -4170,7 +4132,11 @@
           <a:p>
             <a:r>
               <a:rPr lang="zh-CN" altLang="en-US" sz="1200" dirty="0" smtClean="0"/>
-              <a:t>？当用户选择</a:t>
+              <a:t>当</a:t>
+            </a:r>
+            <a:r>
+              <a:rPr lang="zh-CN" altLang="en-US" sz="1200" dirty="0" smtClean="0"/>
+              <a:t>用户选择</a:t>
             </a:r>
             <a:r>
               <a:rPr lang="zh-CN" altLang="en-US" sz="1200" dirty="0"/>
@@ -4198,84 +4164,54 @@
             </a:r>
             <a:r>
               <a:rPr lang="zh-CN" altLang="en-US" sz="1200" dirty="0" smtClean="0"/>
-              <a:t>通过摄像头扫描二维码或者条码来获得相应的编码信息</a:t>
-            </a:r>
+              <a:t>通过</a:t>
+            </a:r>
+            <a:r>
+              <a:rPr lang="zh-CN" altLang="en-US" sz="1200" dirty="0" smtClean="0"/>
+              <a:t>摄像头（照相机的有关设置在</a:t>
+            </a:r>
+            <a:r>
+              <a:rPr lang="en-US" altLang="zh-CN" sz="1200" dirty="0" err="1" smtClean="0"/>
+              <a:t>cn.niot.android.camera</a:t>
+            </a:r>
+            <a:r>
+              <a:rPr lang="zh-CN" altLang="en-US" sz="1200" dirty="0" smtClean="0"/>
+              <a:t>包中</a:t>
+            </a:r>
+            <a:r>
+              <a:rPr lang="zh-CN" altLang="en-US" sz="1200" dirty="0" smtClean="0"/>
+              <a:t>）扫描</a:t>
+            </a:r>
+            <a:r>
+              <a:rPr lang="zh-CN" altLang="en-US" sz="1200" dirty="0" smtClean="0"/>
+              <a:t>二维码或者条码来获得相应的编码</a:t>
+            </a:r>
+            <a:r>
+              <a:rPr lang="zh-CN" altLang="en-US" sz="1200" dirty="0" smtClean="0"/>
+              <a:t>信息（所谓的获得编码信息在包</a:t>
+            </a:r>
+            <a:r>
+              <a:rPr lang="en-US" altLang="zh-CN" sz="1200" dirty="0" err="1" smtClean="0"/>
+              <a:t>cn.niot.android.decoding</a:t>
+            </a:r>
+            <a:r>
+              <a:rPr lang="zh-CN" altLang="en-US" sz="1200" dirty="0" smtClean="0"/>
+              <a:t>中进行处理</a:t>
+            </a:r>
+            <a:r>
+              <a:rPr lang="zh-CN" altLang="en-US" sz="1200" dirty="0" smtClean="0"/>
+              <a:t>），当扫描完成后会跳转到</a:t>
+            </a:r>
+            <a:r>
+              <a:rPr lang="en-US" altLang="zh-CN" sz="1200" dirty="0" err="1"/>
+              <a:t>ProgressBarActivity</a:t>
+            </a:r>
+            <a:endParaRPr lang="zh-CN" altLang="en-US" sz="1200" dirty="0"/>
+          </a:p>
+          <a:p>
             <a:endParaRPr lang="en-US" altLang="zh-CN" sz="1200" dirty="0" smtClean="0"/>
           </a:p>
           <a:p>
-            <a:endParaRPr lang="en-US" altLang="zh-CN" sz="1200" dirty="0"/>
-          </a:p>
-          <a:p>
-            <a:r>
-              <a:rPr lang="zh-CN" altLang="en-US" sz="1200" dirty="0" smtClean="0"/>
-              <a:t>当扫描成功后，自动将获得的编码通过</a:t>
-            </a:r>
-            <a:r>
-              <a:rPr lang="en-US" altLang="zh-CN" sz="1200" dirty="0" smtClean="0"/>
-              <a:t>intent</a:t>
-            </a:r>
-            <a:r>
-              <a:rPr lang="zh-CN" altLang="en-US" sz="1200" dirty="0" smtClean="0"/>
-              <a:t>发送给</a:t>
-            </a:r>
-            <a:r>
-              <a:rPr lang="en-US" altLang="zh-CN" sz="1200" dirty="0" err="1" smtClean="0"/>
-              <a:t>SendHttpRequestService</a:t>
-            </a:r>
-            <a:r>
-              <a:rPr lang="zh-CN" altLang="en-US" sz="1200" dirty="0" smtClean="0"/>
-              <a:t>，之后会有结果返回</a:t>
-            </a:r>
-            <a:endParaRPr lang="en-US" altLang="zh-CN" sz="1200" dirty="0" smtClean="0"/>
-          </a:p>
-          <a:p>
-            <a:endParaRPr lang="en-US" altLang="zh-CN" sz="1200" dirty="0"/>
-          </a:p>
-          <a:p>
-            <a:r>
-              <a:rPr lang="zh-CN" altLang="en-US" sz="1200" dirty="0"/>
-              <a:t>通过</a:t>
-            </a:r>
-            <a:r>
-              <a:rPr lang="en-US" altLang="zh-CN" sz="1200" dirty="0" err="1"/>
-              <a:t>broadcastReceiver</a:t>
-            </a:r>
-            <a:r>
-              <a:rPr lang="zh-CN" altLang="en-US" sz="1200" dirty="0"/>
-              <a:t>接收结果。</a:t>
-            </a:r>
-            <a:r>
-              <a:rPr lang="zh-CN" altLang="en-US" sz="1200" dirty="0" smtClean="0"/>
-              <a:t>判断</a:t>
-            </a:r>
-            <a:r>
-              <a:rPr lang="zh-CN" altLang="en-US" sz="1200" dirty="0"/>
-              <a:t>返回的结果，再调用</a:t>
-            </a:r>
-            <a:r>
-              <a:rPr lang="en-US" altLang="zh-CN" sz="1200" dirty="0" err="1" smtClean="0"/>
-              <a:t>DrawActivity</a:t>
-            </a:r>
-            <a:r>
-              <a:rPr lang="zh-CN" altLang="en-US" sz="1200" dirty="0"/>
-              <a:t>或者是</a:t>
-            </a:r>
-            <a:r>
-              <a:rPr lang="en-US" altLang="zh-CN" sz="1200" dirty="0" err="1"/>
-              <a:t>ShowDataActivity</a:t>
-            </a:r>
-            <a:r>
-              <a:rPr lang="zh-CN" altLang="en-US" sz="1200" dirty="0" smtClean="0"/>
-              <a:t>呈现</a:t>
-            </a:r>
-            <a:r>
-              <a:rPr lang="zh-CN" altLang="en-US" sz="1200" dirty="0"/>
-              <a:t>饼图或者提示用户其他相关信息（例如，当反应超时会提醒用户检查网络连接</a:t>
-            </a:r>
-            <a:r>
-              <a:rPr lang="zh-CN" altLang="en-US" sz="1200" dirty="0" smtClean="0"/>
-              <a:t>）</a:t>
-            </a:r>
             <a:endParaRPr lang="en-US" altLang="zh-CN" sz="1200" dirty="0"/>
           </a:p>
         </p:txBody>
@@ -4288,83 +4224,10 @@
         </p:nvCxnSpPr>
         <p:spPr>
           <a:xfrm>
-            <a:off x="3098908" y="3527605"/>
-            <a:ext cx="545882" cy="1505566"/>
+            <a:off x="2937539" y="3593382"/>
+            <a:ext cx="434308" cy="1401275"/>
           </a:xfrm>
           <a:prstGeom prst="straightConnector1">
-            <a:avLst/>
-          </a:prstGeom>
-          <a:ln>
-            <a:tailEnd type="triangle" w="lg" len="lg"/>
-          </a:ln>
-        </p:spPr>
-        <p:style>
-          <a:lnRef idx="1">
-            <a:schemeClr val="accent1"/>
-          </a:lnRef>
-          <a:fillRef idx="0">
-            <a:schemeClr val="accent1"/>
-          </a:fillRef>
-          <a:effectRef idx="0">
-            <a:schemeClr val="accent1"/>
-          </a:effectRef>
-          <a:fontRef idx="minor">
-            <a:schemeClr val="tx1"/>
-          </a:fontRef>
-        </p:style>
-      </p:cxnSp>
-      <p:cxnSp>
-        <p:nvCxnSpPr>
-          <p:cNvPr id="75" name="肘形连接符 74"/>
-          <p:cNvCxnSpPr>
-            <a:stCxn id="68" idx="3"/>
-          </p:cNvCxnSpPr>
-          <p:nvPr/>
-        </p:nvCxnSpPr>
-        <p:spPr>
-          <a:xfrm flipV="1">
-            <a:off x="6136555" y="3224577"/>
-            <a:ext cx="3257035" cy="1838868"/>
-          </a:xfrm>
-          <a:prstGeom prst="bentConnector3">
-            <a:avLst>
-              <a:gd name="adj1" fmla="val 100283"/>
-            </a:avLst>
-          </a:prstGeom>
-          <a:ln>
-            <a:headEnd type="triangle" w="lg" len="lg"/>
-            <a:tailEnd type="triangle" w="lg" len="lg"/>
-          </a:ln>
-        </p:spPr>
-        <p:style>
-          <a:lnRef idx="1">
-            <a:schemeClr val="accent1"/>
-          </a:lnRef>
-          <a:fillRef idx="0">
-            <a:schemeClr val="accent1"/>
-          </a:fillRef>
-          <a:effectRef idx="0">
-            <a:schemeClr val="accent1"/>
-          </a:effectRef>
-          <a:fontRef idx="minor">
-            <a:schemeClr val="tx1"/>
-          </a:fontRef>
-        </p:style>
-      </p:cxnSp>
-      <p:cxnSp>
-        <p:nvCxnSpPr>
-          <p:cNvPr id="77" name="肘形连接符 76"/>
-          <p:cNvCxnSpPr>
-            <a:endCxn id="51" idx="2"/>
-          </p:cNvCxnSpPr>
-          <p:nvPr/>
-        </p:nvCxnSpPr>
-        <p:spPr>
-          <a:xfrm flipV="1">
-            <a:off x="6131276" y="4211390"/>
-            <a:ext cx="1633796" cy="1508866"/>
-          </a:xfrm>
-          <a:prstGeom prst="bentConnector2">
             <a:avLst/>
           </a:prstGeom>
           <a:ln>
@@ -4546,40 +4409,6 @@
           </a:p>
         </p:txBody>
       </p:sp>
-      <p:cxnSp>
-        <p:nvCxnSpPr>
-          <p:cNvPr id="65" name="直接箭头连接符 64"/>
-          <p:cNvCxnSpPr/>
-          <p:nvPr/>
-        </p:nvCxnSpPr>
-        <p:spPr>
-          <a:xfrm>
-            <a:off x="6136555" y="2354099"/>
-            <a:ext cx="3029927" cy="0"/>
-          </a:xfrm>
-          <a:prstGeom prst="straightConnector1">
-            <a:avLst/>
-          </a:prstGeom>
-          <a:ln>
-            <a:headEnd type="triangle" w="lg" len="lg"/>
-            <a:tailEnd type="triangle" w="lg" len="lg"/>
-          </a:ln>
-        </p:spPr>
-        <p:style>
-          <a:lnRef idx="1">
-            <a:schemeClr val="accent1"/>
-          </a:lnRef>
-          <a:fillRef idx="0">
-            <a:schemeClr val="accent1"/>
-          </a:fillRef>
-          <a:effectRef idx="0">
-            <a:schemeClr val="accent1"/>
-          </a:effectRef>
-          <a:fontRef idx="minor">
-            <a:schemeClr val="tx1"/>
-          </a:fontRef>
-        </p:style>
-      </p:cxnSp>
       <p:sp>
         <p:nvSpPr>
           <p:cNvPr id="84" name="文本框 83"/>
@@ -4588,7 +4417,7 @@
         </p:nvSpPr>
         <p:spPr>
           <a:xfrm>
-            <a:off x="9514783" y="4086250"/>
+            <a:off x="9286873" y="4541694"/>
             <a:ext cx="2702791" cy="338554"/>
           </a:xfrm>
           <a:prstGeom prst="rect">
@@ -4623,8 +4452,8 @@
         </p:nvSpPr>
         <p:spPr>
           <a:xfrm>
-            <a:off x="9620298" y="4086250"/>
-            <a:ext cx="2491765" cy="2683042"/>
+            <a:off x="9392388" y="4541694"/>
+            <a:ext cx="2491765" cy="2186653"/>
           </a:xfrm>
           <a:prstGeom prst="roundRect">
             <a:avLst>
@@ -4674,7 +4503,7 @@
         </p:nvCxnSpPr>
         <p:spPr>
           <a:xfrm>
-            <a:off x="9620298" y="4455582"/>
+            <a:off x="9392388" y="4911026"/>
             <a:ext cx="2491765" cy="0"/>
           </a:xfrm>
           <a:prstGeom prst="line">
@@ -4712,7 +4541,7 @@
         </p:nvSpPr>
         <p:spPr>
           <a:xfrm>
-            <a:off x="9620298" y="4457452"/>
+            <a:off x="9392388" y="4912896"/>
             <a:ext cx="2491765" cy="646331"/>
           </a:xfrm>
           <a:prstGeom prst="rect">
@@ -4761,7 +4590,7 @@
         </p:nvSpPr>
         <p:spPr>
           <a:xfrm>
-            <a:off x="9620297" y="5419218"/>
+            <a:off x="9392387" y="5874662"/>
             <a:ext cx="2491765" cy="830997"/>
           </a:xfrm>
           <a:prstGeom prst="rect">
@@ -4827,8 +4656,8 @@
         </p:nvSpPr>
         <p:spPr>
           <a:xfrm>
-            <a:off x="6655577" y="340666"/>
-            <a:ext cx="2491765" cy="1349623"/>
+            <a:off x="6254952" y="4377623"/>
+            <a:ext cx="2157515" cy="1349623"/>
           </a:xfrm>
           <a:prstGeom prst="roundRect">
             <a:avLst>
@@ -4870,16 +4699,503 @@
           </a:p>
         </p:txBody>
       </p:sp>
+      <p:sp>
+        <p:nvSpPr>
+          <p:cNvPr id="54" name="文本框 40"/>
+          <p:cNvSpPr txBox="1"/>
+          <p:nvPr/>
+        </p:nvSpPr>
+        <p:spPr>
+          <a:xfrm>
+            <a:off x="6430114" y="4545643"/>
+            <a:ext cx="1833131" cy="369332"/>
+          </a:xfrm>
+          <a:prstGeom prst="rect">
+            <a:avLst/>
+          </a:prstGeom>
+          <a:noFill/>
+        </p:spPr>
+        <p:txBody>
+          <a:bodyPr wrap="none" rtlCol="0">
+            <a:spAutoFit/>
+          </a:bodyPr>
+          <a:lstStyle/>
+          <a:p>
+            <a:r>
+              <a:rPr lang="en-US" altLang="zh-CN" dirty="0" err="1" smtClean="0"/>
+              <a:t>ShowDataActivity</a:t>
+            </a:r>
+            <a:endParaRPr lang="zh-CN" altLang="en-US" dirty="0" smtClean="0"/>
+          </a:p>
+        </p:txBody>
+      </p:sp>
+      <p:sp>
+        <p:nvSpPr>
+          <p:cNvPr id="56" name="文本框 52"/>
+          <p:cNvSpPr txBox="1"/>
+          <p:nvPr/>
+        </p:nvSpPr>
+        <p:spPr>
+          <a:xfrm>
+            <a:off x="6195032" y="5196273"/>
+            <a:ext cx="2491765" cy="461665"/>
+          </a:xfrm>
+          <a:prstGeom prst="rect">
+            <a:avLst/>
+          </a:prstGeom>
+          <a:noFill/>
+        </p:spPr>
+        <p:txBody>
+          <a:bodyPr wrap="square" rtlCol="0">
+            <a:spAutoFit/>
+          </a:bodyPr>
+          <a:lstStyle/>
+          <a:p>
+            <a:r>
+              <a:rPr lang="zh-CN" altLang="en-US" sz="1200" dirty="0" smtClean="0"/>
+              <a:t>显示无结果、错误和查询数据</a:t>
+            </a:r>
+            <a:endParaRPr lang="en-US" altLang="zh-CN" sz="1200" dirty="0" smtClean="0"/>
+          </a:p>
+          <a:p>
+            <a:r>
+              <a:rPr lang="zh-CN" altLang="en-US" sz="1200" dirty="0" smtClean="0"/>
+              <a:t>条目</a:t>
+            </a:r>
+            <a:r>
+              <a:rPr lang="en-US" altLang="zh-CN" sz="1200" dirty="0" smtClean="0"/>
+              <a:t>status</a:t>
+            </a:r>
+            <a:r>
+              <a:rPr lang="zh-CN" altLang="en-US" sz="1200" dirty="0" smtClean="0"/>
+              <a:t>为</a:t>
+            </a:r>
+            <a:r>
+              <a:rPr lang="en-US" altLang="zh-CN" sz="1200" dirty="0" smtClean="0"/>
+              <a:t>1</a:t>
+            </a:r>
+            <a:r>
+              <a:rPr lang="zh-CN" altLang="en-US" sz="1200" dirty="0" smtClean="0"/>
+              <a:t>的情况</a:t>
+            </a:r>
+            <a:endParaRPr lang="zh-CN" altLang="en-US" sz="1200" dirty="0"/>
+          </a:p>
+        </p:txBody>
+      </p:sp>
       <p:cxnSp>
         <p:nvCxnSpPr>
-          <p:cNvPr id="43" name="直接箭头连接符 42"/>
+          <p:cNvPr id="4" name="直接箭头连接符 3"/>
+          <p:cNvCxnSpPr>
+            <a:stCxn id="14" idx="2"/>
+            <a:endCxn id="28" idx="0"/>
+          </p:cNvCxnSpPr>
+          <p:nvPr/>
+        </p:nvCxnSpPr>
+        <p:spPr>
+          <a:xfrm>
+            <a:off x="1771991" y="4255527"/>
+            <a:ext cx="81034" cy="756080"/>
+          </a:xfrm>
+          <a:prstGeom prst="straightConnector1">
+            <a:avLst/>
+          </a:prstGeom>
+          <a:ln>
+            <a:tailEnd type="arrow"/>
+          </a:ln>
+        </p:spPr>
+        <p:style>
+          <a:lnRef idx="1">
+            <a:schemeClr val="accent1"/>
+          </a:lnRef>
+          <a:fillRef idx="0">
+            <a:schemeClr val="accent1"/>
+          </a:fillRef>
+          <a:effectRef idx="0">
+            <a:schemeClr val="accent1"/>
+          </a:effectRef>
+          <a:fontRef idx="minor">
+            <a:schemeClr val="tx1"/>
+          </a:fontRef>
+        </p:style>
+      </p:cxnSp>
+      <p:sp>
+        <p:nvSpPr>
+          <p:cNvPr id="7" name="TextBox 6"/>
+          <p:cNvSpPr txBox="1"/>
+          <p:nvPr/>
+        </p:nvSpPr>
+        <p:spPr>
+          <a:xfrm>
+            <a:off x="1853026" y="4633567"/>
+            <a:ext cx="800219" cy="276999"/>
+          </a:xfrm>
+          <a:prstGeom prst="rect">
+            <a:avLst/>
+          </a:prstGeom>
+          <a:noFill/>
+        </p:spPr>
+        <p:txBody>
+          <a:bodyPr wrap="none" rtlCol="0">
+            <a:spAutoFit/>
+          </a:bodyPr>
+          <a:lstStyle/>
+          <a:p>
+            <a:r>
+              <a:rPr lang="zh-CN" altLang="en-US" sz="1200" dirty="0" smtClean="0"/>
+              <a:t>点击设置</a:t>
+            </a:r>
+            <a:endParaRPr lang="zh-CN" altLang="en-US" sz="1200" dirty="0"/>
+          </a:p>
+        </p:txBody>
+      </p:sp>
+      <p:sp>
+        <p:nvSpPr>
+          <p:cNvPr id="57" name="文本框 58"/>
+          <p:cNvSpPr txBox="1"/>
+          <p:nvPr/>
+        </p:nvSpPr>
+        <p:spPr>
+          <a:xfrm>
+            <a:off x="9392388" y="2238624"/>
+            <a:ext cx="2272160" cy="369332"/>
+          </a:xfrm>
+          <a:prstGeom prst="rect">
+            <a:avLst/>
+          </a:prstGeom>
+          <a:noFill/>
+        </p:spPr>
+        <p:txBody>
+          <a:bodyPr wrap="none" rtlCol="0">
+            <a:spAutoFit/>
+          </a:bodyPr>
+          <a:lstStyle/>
+          <a:p>
+            <a:r>
+              <a:rPr lang="en-US" altLang="zh-CN" dirty="0" err="1" smtClean="0"/>
+              <a:t>ProcessResultReceiver</a:t>
+            </a:r>
+            <a:endParaRPr lang="zh-CN" altLang="en-US" dirty="0" smtClean="0"/>
+          </a:p>
+        </p:txBody>
+      </p:sp>
+      <p:sp>
+        <p:nvSpPr>
+          <p:cNvPr id="58" name="圆角矩形 57"/>
+          <p:cNvSpPr/>
+          <p:nvPr/>
+        </p:nvSpPr>
+        <p:spPr>
+          <a:xfrm>
+            <a:off x="9377408" y="2256132"/>
+            <a:ext cx="2491765" cy="1652650"/>
+          </a:xfrm>
+          <a:prstGeom prst="roundRect">
+            <a:avLst>
+              <a:gd name="adj" fmla="val 0"/>
+            </a:avLst>
+          </a:prstGeom>
+          <a:noFill/>
+          <a:ln>
+            <a:solidFill>
+              <a:schemeClr val="tx1">
+                <a:lumMod val="95000"/>
+                <a:lumOff val="5000"/>
+              </a:schemeClr>
+            </a:solidFill>
+          </a:ln>
+        </p:spPr>
+        <p:style>
+          <a:lnRef idx="2">
+            <a:schemeClr val="accent1">
+              <a:shade val="50000"/>
+            </a:schemeClr>
+          </a:lnRef>
+          <a:fillRef idx="1">
+            <a:schemeClr val="accent1"/>
+          </a:fillRef>
+          <a:effectRef idx="0">
+            <a:schemeClr val="accent1"/>
+          </a:effectRef>
+          <a:fontRef idx="minor">
+            <a:schemeClr val="lt1"/>
+          </a:fontRef>
+        </p:style>
+        <p:txBody>
+          <a:bodyPr rtlCol="0" anchor="ctr"/>
+          <a:lstStyle/>
+          <a:p>
+            <a:pPr algn="ctr"/>
+            <a:endParaRPr lang="zh-CN" altLang="en-US"/>
+          </a:p>
+        </p:txBody>
+      </p:sp>
+      <p:cxnSp>
+        <p:nvCxnSpPr>
+          <p:cNvPr id="63" name="直接连接符 62"/>
           <p:cNvCxnSpPr/>
           <p:nvPr/>
         </p:nvCxnSpPr>
         <p:spPr>
+          <a:xfrm>
+            <a:off x="9392388" y="2610947"/>
+            <a:ext cx="2491765" cy="0"/>
+          </a:xfrm>
+          <a:prstGeom prst="line">
+            <a:avLst/>
+          </a:prstGeom>
+          <a:ln>
+            <a:solidFill>
+              <a:schemeClr val="tx1">
+                <a:lumMod val="95000"/>
+                <a:lumOff val="5000"/>
+              </a:schemeClr>
+            </a:solidFill>
+          </a:ln>
+        </p:spPr>
+        <p:style>
+          <a:lnRef idx="1">
+            <a:schemeClr val="accent1"/>
+          </a:lnRef>
+          <a:fillRef idx="0">
+            <a:schemeClr val="accent1"/>
+          </a:fillRef>
+          <a:effectRef idx="0">
+            <a:schemeClr val="accent1"/>
+          </a:effectRef>
+          <a:fontRef idx="minor">
+            <a:schemeClr val="tx1"/>
+          </a:fontRef>
+        </p:style>
+      </p:cxnSp>
+      <p:sp>
+        <p:nvSpPr>
+          <p:cNvPr id="64" name="文本框 61"/>
+          <p:cNvSpPr txBox="1"/>
+          <p:nvPr/>
+        </p:nvSpPr>
+        <p:spPr>
+          <a:xfrm>
+            <a:off x="9377408" y="2610947"/>
+            <a:ext cx="2491765" cy="1200329"/>
+          </a:xfrm>
+          <a:prstGeom prst="rect">
+            <a:avLst/>
+          </a:prstGeom>
+          <a:noFill/>
+        </p:spPr>
+        <p:txBody>
+          <a:bodyPr wrap="square" rtlCol="0">
+            <a:spAutoFit/>
+          </a:bodyPr>
+          <a:lstStyle/>
+          <a:p>
+            <a:r>
+              <a:rPr lang="zh-CN" altLang="en-US" sz="1200" dirty="0"/>
+              <a:t>通过</a:t>
+            </a:r>
+            <a:r>
+              <a:rPr lang="en-US" altLang="zh-CN" sz="1200" dirty="0" err="1"/>
+              <a:t>broadcastReceiver</a:t>
+            </a:r>
+            <a:r>
+              <a:rPr lang="zh-CN" altLang="en-US" sz="1200" dirty="0"/>
+              <a:t>接收结果。判断返回的结果，再调用</a:t>
+            </a:r>
+            <a:r>
+              <a:rPr lang="en-US" altLang="zh-CN" sz="1200" dirty="0" err="1"/>
+              <a:t>DrawActivity</a:t>
+            </a:r>
+            <a:r>
+              <a:rPr lang="zh-CN" altLang="en-US" sz="1200" dirty="0"/>
+              <a:t>或者是</a:t>
+            </a:r>
+            <a:r>
+              <a:rPr lang="en-US" altLang="zh-CN" sz="1200" dirty="0" err="1"/>
+              <a:t>ShowDataActivity</a:t>
+            </a:r>
+            <a:r>
+              <a:rPr lang="zh-CN" altLang="en-US" sz="1200" dirty="0"/>
+              <a:t>呈现饼图或者提示用户其他相关信息（例如，当反应超时会提醒用户检查网络连接）</a:t>
+            </a:r>
+            <a:endParaRPr lang="en-US" altLang="zh-CN" sz="1200" dirty="0"/>
+          </a:p>
+        </p:txBody>
+      </p:sp>
+      <p:sp>
+        <p:nvSpPr>
+          <p:cNvPr id="65" name="文本框 22"/>
+          <p:cNvSpPr txBox="1"/>
+          <p:nvPr/>
+        </p:nvSpPr>
+        <p:spPr>
+          <a:xfrm>
+            <a:off x="6427493" y="1612690"/>
+            <a:ext cx="1997342" cy="369332"/>
+          </a:xfrm>
+          <a:prstGeom prst="rect">
+            <a:avLst/>
+          </a:prstGeom>
+          <a:noFill/>
+        </p:spPr>
+        <p:txBody>
+          <a:bodyPr wrap="none" rtlCol="0">
+            <a:spAutoFit/>
+          </a:bodyPr>
+          <a:lstStyle/>
+          <a:p>
+            <a:r>
+              <a:rPr lang="en-US" altLang="zh-CN" dirty="0" err="1" smtClean="0"/>
+              <a:t>ProgressBarActivity</a:t>
+            </a:r>
+            <a:endParaRPr lang="zh-CN" altLang="en-US" dirty="0" smtClean="0"/>
+          </a:p>
+        </p:txBody>
+      </p:sp>
+      <p:sp>
+        <p:nvSpPr>
+          <p:cNvPr id="70" name="圆角矩形 69"/>
+          <p:cNvSpPr/>
+          <p:nvPr/>
+        </p:nvSpPr>
+        <p:spPr>
+          <a:xfrm>
+            <a:off x="6129478" y="1676311"/>
+            <a:ext cx="2491765" cy="1019886"/>
+          </a:xfrm>
+          <a:prstGeom prst="roundRect">
+            <a:avLst>
+              <a:gd name="adj" fmla="val 0"/>
+            </a:avLst>
+          </a:prstGeom>
+          <a:noFill/>
+          <a:ln>
+            <a:solidFill>
+              <a:schemeClr val="tx1">
+                <a:lumMod val="95000"/>
+                <a:lumOff val="5000"/>
+              </a:schemeClr>
+            </a:solidFill>
+          </a:ln>
+        </p:spPr>
+        <p:style>
+          <a:lnRef idx="2">
+            <a:schemeClr val="accent1">
+              <a:shade val="50000"/>
+            </a:schemeClr>
+          </a:lnRef>
+          <a:fillRef idx="1">
+            <a:schemeClr val="accent1"/>
+          </a:fillRef>
+          <a:effectRef idx="0">
+            <a:schemeClr val="accent1"/>
+          </a:effectRef>
+          <a:fontRef idx="minor">
+            <a:schemeClr val="lt1"/>
+          </a:fontRef>
+        </p:style>
+        <p:txBody>
+          <a:bodyPr rtlCol="0" anchor="ctr"/>
+          <a:lstStyle/>
+          <a:p>
+            <a:pPr algn="ctr"/>
+            <a:endParaRPr lang="zh-CN" altLang="en-US"/>
+          </a:p>
+        </p:txBody>
+      </p:sp>
+      <p:cxnSp>
+        <p:nvCxnSpPr>
+          <p:cNvPr id="73" name="直接连接符 72"/>
+          <p:cNvCxnSpPr/>
+          <p:nvPr/>
+        </p:nvCxnSpPr>
+        <p:spPr>
+          <a:xfrm>
+            <a:off x="6116509" y="1899722"/>
+            <a:ext cx="2491765" cy="0"/>
+          </a:xfrm>
+          <a:prstGeom prst="line">
+            <a:avLst/>
+          </a:prstGeom>
+          <a:ln>
+            <a:solidFill>
+              <a:schemeClr val="tx1">
+                <a:lumMod val="95000"/>
+                <a:lumOff val="5000"/>
+              </a:schemeClr>
+            </a:solidFill>
+          </a:ln>
+        </p:spPr>
+        <p:style>
+          <a:lnRef idx="1">
+            <a:schemeClr val="accent1"/>
+          </a:lnRef>
+          <a:fillRef idx="0">
+            <a:schemeClr val="accent1"/>
+          </a:fillRef>
+          <a:effectRef idx="0">
+            <a:schemeClr val="accent1"/>
+          </a:effectRef>
+          <a:fontRef idx="minor">
+            <a:schemeClr val="tx1"/>
+          </a:fontRef>
+        </p:style>
+      </p:cxnSp>
+      <p:sp>
+        <p:nvSpPr>
+          <p:cNvPr id="74" name="文本框 26"/>
+          <p:cNvSpPr txBox="1"/>
+          <p:nvPr/>
+        </p:nvSpPr>
+        <p:spPr>
+          <a:xfrm>
+            <a:off x="6129478" y="2081027"/>
+            <a:ext cx="2622874" cy="1015663"/>
+          </a:xfrm>
+          <a:prstGeom prst="rect">
+            <a:avLst/>
+          </a:prstGeom>
+          <a:noFill/>
+        </p:spPr>
+        <p:txBody>
+          <a:bodyPr wrap="square" rtlCol="0">
+            <a:spAutoFit/>
+          </a:bodyPr>
+          <a:lstStyle/>
+          <a:p>
+            <a:r>
+              <a:rPr lang="zh-CN" altLang="en-US" sz="1200" dirty="0" smtClean="0"/>
+              <a:t>获得用户手动输入的码值或者扫描得到的结果值，然后向</a:t>
+            </a:r>
+            <a:r>
+              <a:rPr lang="en-US" altLang="zh-CN" sz="1200" dirty="0" err="1" smtClean="0"/>
+              <a:t>SendHttpRequestService</a:t>
+            </a:r>
+            <a:r>
+              <a:rPr lang="zh-CN" altLang="en-US" sz="1200" dirty="0" smtClean="0"/>
+              <a:t>发送请求</a:t>
+            </a:r>
+            <a:endParaRPr lang="en-US" altLang="zh-CN" sz="1200" dirty="0" smtClean="0"/>
+          </a:p>
+          <a:p>
+            <a:endParaRPr lang="en-US" altLang="zh-CN" sz="1200" dirty="0"/>
+          </a:p>
+          <a:p>
+            <a:endParaRPr lang="en-US" altLang="zh-CN" sz="1200" dirty="0"/>
+          </a:p>
+        </p:txBody>
+      </p:sp>
+      <p:cxnSp>
+        <p:nvCxnSpPr>
+          <p:cNvPr id="66" name="直接箭头连接符 65"/>
+          <p:cNvCxnSpPr>
+            <a:endCxn id="70" idx="1"/>
+          </p:cNvCxnSpPr>
+          <p:nvPr/>
+        </p:nvCxnSpPr>
+        <p:spPr>
           <a:xfrm flipV="1">
-            <a:off x="6173546" y="646146"/>
-            <a:ext cx="503447" cy="2215621"/>
+            <a:off x="5947335" y="2186254"/>
+            <a:ext cx="182143" cy="509944"/>
           </a:xfrm>
           <a:prstGeom prst="straightConnector1">
             <a:avLst/>
@@ -4905,18 +5221,18 @@
       </p:cxnSp>
       <p:cxnSp>
         <p:nvCxnSpPr>
-          <p:cNvPr id="44" name="肘形连接符 43"/>
+          <p:cNvPr id="75" name="直接箭头连接符 74"/>
           <p:cNvCxnSpPr>
-            <a:stCxn id="71" idx="3"/>
+            <a:endCxn id="70" idx="1"/>
           </p:cNvCxnSpPr>
           <p:nvPr/>
         </p:nvCxnSpPr>
         <p:spPr>
           <a:xfrm flipV="1">
-            <a:off x="6173546" y="1578519"/>
-            <a:ext cx="1736093" cy="3692784"/>
-          </a:xfrm>
-          <a:prstGeom prst="bentConnector2">
+            <a:off x="5906913" y="2186254"/>
+            <a:ext cx="222565" cy="2631812"/>
+          </a:xfrm>
+          <a:prstGeom prst="straightConnector1">
             <a:avLst/>
           </a:prstGeom>
           <a:ln>
@@ -4938,57 +5254,24 @@
           </a:fontRef>
         </p:style>
       </p:cxnSp>
-      <p:sp>
-        <p:nvSpPr>
-          <p:cNvPr id="54" name="文本框 40"/>
-          <p:cNvSpPr txBox="1"/>
-          <p:nvPr/>
-        </p:nvSpPr>
-        <p:spPr>
-          <a:xfrm>
-            <a:off x="7247698" y="559001"/>
-            <a:ext cx="1833131" cy="369332"/>
-          </a:xfrm>
-          <a:prstGeom prst="rect">
-            <a:avLst/>
-          </a:prstGeom>
-          <a:noFill/>
-        </p:spPr>
-        <p:txBody>
-          <a:bodyPr wrap="none" rtlCol="0">
-            <a:spAutoFit/>
-          </a:bodyPr>
-          <a:lstStyle/>
-          <a:p>
-            <a:r>
-              <a:rPr lang="en-US" altLang="zh-CN" dirty="0" err="1" smtClean="0"/>
-              <a:t>ShowDataActivity</a:t>
-            </a:r>
-            <a:endParaRPr lang="zh-CN" altLang="en-US" dirty="0" smtClean="0"/>
-          </a:p>
-        </p:txBody>
-      </p:sp>
       <p:cxnSp>
         <p:nvCxnSpPr>
-          <p:cNvPr id="55" name="直接连接符 54"/>
-          <p:cNvCxnSpPr/>
+          <p:cNvPr id="76" name="直接箭头连接符 75"/>
+          <p:cNvCxnSpPr>
+            <a:endCxn id="60" idx="1"/>
+          </p:cNvCxnSpPr>
           <p:nvPr/>
         </p:nvCxnSpPr>
         <p:spPr>
-          <a:xfrm>
-            <a:off x="6689697" y="964967"/>
-            <a:ext cx="2491765" cy="0"/>
-          </a:xfrm>
-          <a:prstGeom prst="line">
+          <a:xfrm flipV="1">
+            <a:off x="8621243" y="938958"/>
+            <a:ext cx="733291" cy="1317174"/>
+          </a:xfrm>
+          <a:prstGeom prst="straightConnector1">
             <a:avLst/>
           </a:prstGeom>
           <a:ln>
-            <a:solidFill>
-              <a:schemeClr val="tx1">
-                <a:lumMod val="95000"/>
-                <a:lumOff val="5000"/>
-              </a:schemeClr>
-            </a:solidFill>
+            <a:tailEnd type="triangle" w="lg" len="lg"/>
           </a:ln>
         </p:spPr>
         <p:style>
@@ -5006,44 +5289,147 @@
           </a:fontRef>
         </p:style>
       </p:cxnSp>
-      <p:sp>
-        <p:nvSpPr>
-          <p:cNvPr id="56" name="文本框 52"/>
-          <p:cNvSpPr txBox="1"/>
+      <p:cxnSp>
+        <p:nvCxnSpPr>
+          <p:cNvPr id="37" name="直接连接符 36"/>
+          <p:cNvCxnSpPr>
+            <a:stCxn id="42" idx="1"/>
+            <a:endCxn id="42" idx="3"/>
+          </p:cNvCxnSpPr>
           <p:nvPr/>
-        </p:nvSpPr>
-        <p:spPr>
-          <a:xfrm>
-            <a:off x="6689697" y="1163397"/>
-            <a:ext cx="2491765" cy="276999"/>
-          </a:xfrm>
-          <a:prstGeom prst="rect">
+        </p:nvCxnSpPr>
+        <p:spPr>
+          <a:xfrm>
+            <a:off x="6254952" y="5052435"/>
+            <a:ext cx="2157515" cy="0"/>
+          </a:xfrm>
+          <a:prstGeom prst="line">
             <a:avLst/>
           </a:prstGeom>
-          <a:noFill/>
-        </p:spPr>
-        <p:txBody>
-          <a:bodyPr wrap="square" rtlCol="0">
-            <a:spAutoFit/>
-          </a:bodyPr>
-          <a:lstStyle/>
-          <a:p>
-            <a:r>
-              <a:rPr lang="zh-CN" altLang="en-US" sz="1200" dirty="0" smtClean="0"/>
-              <a:t>根据</a:t>
-            </a:r>
-            <a:r>
-              <a:rPr lang="zh-CN" altLang="en-US" sz="1200" dirty="0" smtClean="0"/>
-              <a:t>数据</a:t>
-            </a:r>
-            <a:r>
-              <a:rPr lang="zh-CN" altLang="en-US" sz="1200" dirty="0" smtClean="0"/>
-              <a:t>显示相关信息</a:t>
-            </a:r>
-            <a:endParaRPr lang="zh-CN" altLang="en-US" sz="1200" dirty="0"/>
-          </a:p>
-        </p:txBody>
-      </p:sp>
+          <a:ln>
+            <a:solidFill>
+              <a:schemeClr val="tx1"/>
+            </a:solidFill>
+          </a:ln>
+        </p:spPr>
+        <p:style>
+          <a:lnRef idx="1">
+            <a:schemeClr val="accent1"/>
+          </a:lnRef>
+          <a:fillRef idx="0">
+            <a:schemeClr val="accent1"/>
+          </a:fillRef>
+          <a:effectRef idx="0">
+            <a:schemeClr val="accent1"/>
+          </a:effectRef>
+          <a:fontRef idx="minor">
+            <a:schemeClr val="tx1"/>
+          </a:fontRef>
+        </p:style>
+      </p:cxnSp>
+      <p:cxnSp>
+        <p:nvCxnSpPr>
+          <p:cNvPr id="79" name="直接箭头连接符 78"/>
+          <p:cNvCxnSpPr/>
+          <p:nvPr/>
+        </p:nvCxnSpPr>
+        <p:spPr>
+          <a:xfrm flipH="1">
+            <a:off x="8686797" y="3096690"/>
+            <a:ext cx="690611" cy="496692"/>
+          </a:xfrm>
+          <a:prstGeom prst="straightConnector1">
+            <a:avLst/>
+          </a:prstGeom>
+          <a:ln>
+            <a:tailEnd type="triangle" w="lg" len="lg"/>
+          </a:ln>
+        </p:spPr>
+        <p:style>
+          <a:lnRef idx="1">
+            <a:schemeClr val="accent1"/>
+          </a:lnRef>
+          <a:fillRef idx="0">
+            <a:schemeClr val="accent1"/>
+          </a:fillRef>
+          <a:effectRef idx="0">
+            <a:schemeClr val="accent1"/>
+          </a:effectRef>
+          <a:fontRef idx="minor">
+            <a:schemeClr val="tx1"/>
+          </a:fontRef>
+        </p:style>
+      </p:cxnSp>
+      <p:cxnSp>
+        <p:nvCxnSpPr>
+          <p:cNvPr id="81" name="直接箭头连接符 80"/>
+          <p:cNvCxnSpPr>
+            <a:stCxn id="58" idx="1"/>
+          </p:cNvCxnSpPr>
+          <p:nvPr/>
+        </p:nvCxnSpPr>
+        <p:spPr>
+          <a:xfrm flipH="1">
+            <a:off x="8412468" y="3082457"/>
+            <a:ext cx="964940" cy="2170290"/>
+          </a:xfrm>
+          <a:prstGeom prst="straightConnector1">
+            <a:avLst/>
+          </a:prstGeom>
+          <a:ln>
+            <a:tailEnd type="triangle" w="lg" len="lg"/>
+          </a:ln>
+        </p:spPr>
+        <p:style>
+          <a:lnRef idx="1">
+            <a:schemeClr val="accent1"/>
+          </a:lnRef>
+          <a:fillRef idx="0">
+            <a:schemeClr val="accent1"/>
+          </a:fillRef>
+          <a:effectRef idx="0">
+            <a:schemeClr val="accent1"/>
+          </a:effectRef>
+          <a:fontRef idx="minor">
+            <a:schemeClr val="tx1"/>
+          </a:fontRef>
+        </p:style>
+      </p:cxnSp>
+      <p:cxnSp>
+        <p:nvCxnSpPr>
+          <p:cNvPr id="83" name="直接箭头连接符 82"/>
+          <p:cNvCxnSpPr>
+            <a:endCxn id="57" idx="0"/>
+          </p:cNvCxnSpPr>
+          <p:nvPr/>
+        </p:nvCxnSpPr>
+        <p:spPr>
+          <a:xfrm flipH="1">
+            <a:off x="10528468" y="1785838"/>
+            <a:ext cx="75314" cy="452786"/>
+          </a:xfrm>
+          <a:prstGeom prst="straightConnector1">
+            <a:avLst/>
+          </a:prstGeom>
+          <a:ln>
+            <a:tailEnd type="triangle" w="lg" len="lg"/>
+          </a:ln>
+        </p:spPr>
+        <p:style>
+          <a:lnRef idx="1">
+            <a:schemeClr val="accent1"/>
+          </a:lnRef>
+          <a:fillRef idx="0">
+            <a:schemeClr val="accent1"/>
+          </a:fillRef>
+          <a:effectRef idx="0">
+            <a:schemeClr val="accent1"/>
+          </a:effectRef>
+          <a:fontRef idx="minor">
+            <a:schemeClr val="tx1"/>
+          </a:fontRef>
+        </p:style>
+      </p:cxnSp>
     </p:spTree>
     <p:extLst>
       <p:ext uri="{BB962C8B-B14F-4D97-AF65-F5344CB8AC3E}">
@@ -5319,7 +5705,7 @@
   <a:extraClrSchemeLst/>
   <a:extLst>
     <a:ext uri="{05A4C25C-085E-4340-85A3-A5531E510DB2}">
-      <thm15:themeFamily xmlns:thm15="http://schemas.microsoft.com/office/thememl/2012/main" xmlns="" name="Office Theme" id="{62F939B6-93AF-4DB8-9C6B-D6C7DFDC589F}" vid="{4A3C46E8-61CC-4603-A589-7422A47A8E4A}"/>
+      <thm15:themeFamily xmlns="" xmlns:thm15="http://schemas.microsoft.com/office/thememl/2012/main" name="Office Theme" id="{62F939B6-93AF-4DB8-9C6B-D6C7DFDC589F}" vid="{4A3C46E8-61CC-4603-A589-7422A47A8E4A}"/>
     </a:ext>
   </a:extLst>
 </a:theme>
